--- a/ML Project/Bitcoin Data.pptx
+++ b/ML Project/Bitcoin Data.pptx
@@ -12,7 +12,10 @@
     <p:sldId id="261" r:id="rId6"/>
     <p:sldId id="264" r:id="rId7"/>
     <p:sldId id="262" r:id="rId8"/>
-    <p:sldId id="263" r:id="rId9"/>
+    <p:sldId id="266" r:id="rId9"/>
+    <p:sldId id="267" r:id="rId10"/>
+    <p:sldId id="268" r:id="rId11"/>
+    <p:sldId id="265" r:id="rId12"/>
   </p:sldIdLst>
   <p:sldSz cx="12192000" cy="6858000"/>
   <p:notesSz cx="6858000" cy="9144000"/>
@@ -2826,7 +2829,7 @@
           <a:p>
             <a:fld id="{3BCE7398-8F56-4942-93AE-C95279492E99}" type="datetimeFigureOut">
               <a:rPr lang="ko-KR" altLang="en-US" smtClean="0"/>
-              <a:t>2021-06-01</a:t>
+              <a:t>2021-06-03</a:t>
             </a:fld>
             <a:endParaRPr lang="ko-KR" altLang="en-US"/>
           </a:p>
@@ -3024,7 +3027,7 @@
           <a:p>
             <a:fld id="{3BCE7398-8F56-4942-93AE-C95279492E99}" type="datetimeFigureOut">
               <a:rPr lang="ko-KR" altLang="en-US" smtClean="0"/>
-              <a:t>2021-06-01</a:t>
+              <a:t>2021-06-03</a:t>
             </a:fld>
             <a:endParaRPr lang="ko-KR" altLang="en-US"/>
           </a:p>
@@ -3232,7 +3235,7 @@
           <a:p>
             <a:fld id="{3BCE7398-8F56-4942-93AE-C95279492E99}" type="datetimeFigureOut">
               <a:rPr lang="ko-KR" altLang="en-US" smtClean="0"/>
-              <a:t>2021-06-01</a:t>
+              <a:t>2021-06-03</a:t>
             </a:fld>
             <a:endParaRPr lang="ko-KR" altLang="en-US"/>
           </a:p>
@@ -3430,7 +3433,7 @@
           <a:p>
             <a:fld id="{3BCE7398-8F56-4942-93AE-C95279492E99}" type="datetimeFigureOut">
               <a:rPr lang="ko-KR" altLang="en-US" smtClean="0"/>
-              <a:t>2021-06-01</a:t>
+              <a:t>2021-06-03</a:t>
             </a:fld>
             <a:endParaRPr lang="ko-KR" altLang="en-US"/>
           </a:p>
@@ -3705,7 +3708,7 @@
           <a:p>
             <a:fld id="{3BCE7398-8F56-4942-93AE-C95279492E99}" type="datetimeFigureOut">
               <a:rPr lang="ko-KR" altLang="en-US" smtClean="0"/>
-              <a:t>2021-06-01</a:t>
+              <a:t>2021-06-03</a:t>
             </a:fld>
             <a:endParaRPr lang="ko-KR" altLang="en-US"/>
           </a:p>
@@ -3970,7 +3973,7 @@
           <a:p>
             <a:fld id="{3BCE7398-8F56-4942-93AE-C95279492E99}" type="datetimeFigureOut">
               <a:rPr lang="ko-KR" altLang="en-US" smtClean="0"/>
-              <a:t>2021-06-01</a:t>
+              <a:t>2021-06-03</a:t>
             </a:fld>
             <a:endParaRPr lang="ko-KR" altLang="en-US"/>
           </a:p>
@@ -4382,7 +4385,7 @@
           <a:p>
             <a:fld id="{3BCE7398-8F56-4942-93AE-C95279492E99}" type="datetimeFigureOut">
               <a:rPr lang="ko-KR" altLang="en-US" smtClean="0"/>
-              <a:t>2021-06-01</a:t>
+              <a:t>2021-06-03</a:t>
             </a:fld>
             <a:endParaRPr lang="ko-KR" altLang="en-US"/>
           </a:p>
@@ -4523,7 +4526,7 @@
           <a:p>
             <a:fld id="{3BCE7398-8F56-4942-93AE-C95279492E99}" type="datetimeFigureOut">
               <a:rPr lang="ko-KR" altLang="en-US" smtClean="0"/>
-              <a:t>2021-06-01</a:t>
+              <a:t>2021-06-03</a:t>
             </a:fld>
             <a:endParaRPr lang="ko-KR" altLang="en-US"/>
           </a:p>
@@ -4636,7 +4639,7 @@
           <a:p>
             <a:fld id="{3BCE7398-8F56-4942-93AE-C95279492E99}" type="datetimeFigureOut">
               <a:rPr lang="ko-KR" altLang="en-US" smtClean="0"/>
-              <a:t>2021-06-01</a:t>
+              <a:t>2021-06-03</a:t>
             </a:fld>
             <a:endParaRPr lang="ko-KR" altLang="en-US"/>
           </a:p>
@@ -4947,7 +4950,7 @@
           <a:p>
             <a:fld id="{3BCE7398-8F56-4942-93AE-C95279492E99}" type="datetimeFigureOut">
               <a:rPr lang="ko-KR" altLang="en-US" smtClean="0"/>
-              <a:t>2021-06-01</a:t>
+              <a:t>2021-06-03</a:t>
             </a:fld>
             <a:endParaRPr lang="ko-KR" altLang="en-US"/>
           </a:p>
@@ -5235,7 +5238,7 @@
           <a:p>
             <a:fld id="{3BCE7398-8F56-4942-93AE-C95279492E99}" type="datetimeFigureOut">
               <a:rPr lang="ko-KR" altLang="en-US" smtClean="0"/>
-              <a:t>2021-06-01</a:t>
+              <a:t>2021-06-03</a:t>
             </a:fld>
             <a:endParaRPr lang="ko-KR" altLang="en-US"/>
           </a:p>
@@ -5476,7 +5479,7 @@
           <a:p>
             <a:fld id="{3BCE7398-8F56-4942-93AE-C95279492E99}" type="datetimeFigureOut">
               <a:rPr lang="ko-KR" altLang="en-US" smtClean="0"/>
-              <a:t>2021-06-01</a:t>
+              <a:t>2021-06-03</a:t>
             </a:fld>
             <a:endParaRPr lang="ko-KR" altLang="en-US"/>
           </a:p>
@@ -6116,6 +6119,264 @@
 </p:sld>
 </file>
 
+<file path=ppt/slides/slide10.xml><?xml version="1.0" encoding="utf-8"?>
+<p:sld xmlns:a="http://schemas.openxmlformats.org/drawingml/2006/main" xmlns:r="http://schemas.openxmlformats.org/officeDocument/2006/relationships" xmlns:p="http://schemas.openxmlformats.org/presentationml/2006/main">
+  <p:cSld>
+    <p:spTree>
+      <p:nvGrpSpPr>
+        <p:cNvPr id="1" name=""/>
+        <p:cNvGrpSpPr/>
+        <p:nvPr/>
+      </p:nvGrpSpPr>
+      <p:grpSpPr>
+        <a:xfrm>
+          <a:off x="0" y="0"/>
+          <a:ext cx="0" cy="0"/>
+          <a:chOff x="0" y="0"/>
+          <a:chExt cx="0" cy="0"/>
+        </a:xfrm>
+      </p:grpSpPr>
+      <p:sp>
+        <p:nvSpPr>
+          <p:cNvPr id="2" name="제목 1">
+            <a:extLst>
+              <a:ext uri="{FF2B5EF4-FFF2-40B4-BE49-F238E27FC236}">
+                <a16:creationId xmlns:a16="http://schemas.microsoft.com/office/drawing/2014/main" id="{7DBA25E4-D3C9-4425-87F8-756D5F824C0E}"/>
+              </a:ext>
+            </a:extLst>
+          </p:cNvPr>
+          <p:cNvSpPr>
+            <a:spLocks noGrp="1"/>
+          </p:cNvSpPr>
+          <p:nvPr>
+            <p:ph type="title"/>
+          </p:nvPr>
+        </p:nvSpPr>
+        <p:spPr/>
+        <p:txBody>
+          <a:bodyPr/>
+          <a:lstStyle/>
+          <a:p>
+            <a:r>
+              <a:rPr lang="ko-KR" altLang="en-US" dirty="0"/>
+              <a:t>분석내용</a:t>
+            </a:r>
+          </a:p>
+        </p:txBody>
+      </p:sp>
+      <p:sp>
+        <p:nvSpPr>
+          <p:cNvPr id="3" name="내용 개체 틀 2">
+            <a:extLst>
+              <a:ext uri="{FF2B5EF4-FFF2-40B4-BE49-F238E27FC236}">
+                <a16:creationId xmlns:a16="http://schemas.microsoft.com/office/drawing/2014/main" id="{0D2E714F-39E5-48D2-BEAC-7FE55437F52A}"/>
+              </a:ext>
+            </a:extLst>
+          </p:cNvPr>
+          <p:cNvSpPr>
+            <a:spLocks noGrp="1"/>
+          </p:cNvSpPr>
+          <p:nvPr>
+            <p:ph idx="1"/>
+          </p:nvPr>
+        </p:nvSpPr>
+        <p:spPr/>
+        <p:txBody>
+          <a:bodyPr/>
+          <a:lstStyle/>
+          <a:p>
+            <a:endParaRPr lang="ko-KR" altLang="en-US" dirty="0"/>
+          </a:p>
+        </p:txBody>
+      </p:sp>
+      <p:pic>
+        <p:nvPicPr>
+          <p:cNvPr id="5" name="그림 4">
+            <a:extLst>
+              <a:ext uri="{FF2B5EF4-FFF2-40B4-BE49-F238E27FC236}">
+                <a16:creationId xmlns:a16="http://schemas.microsoft.com/office/drawing/2014/main" id="{BDDD8DD3-C935-40C0-AB76-6E9E4B5CB4BB}"/>
+              </a:ext>
+            </a:extLst>
+          </p:cNvPr>
+          <p:cNvPicPr>
+            <a:picLocks noChangeAspect="1"/>
+          </p:cNvPicPr>
+          <p:nvPr/>
+        </p:nvPicPr>
+        <p:blipFill>
+          <a:blip r:embed="rId2"/>
+          <a:stretch>
+            <a:fillRect/>
+          </a:stretch>
+        </p:blipFill>
+        <p:spPr>
+          <a:xfrm>
+            <a:off x="382405" y="1722158"/>
+            <a:ext cx="5713595" cy="4660900"/>
+          </a:xfrm>
+          <a:prstGeom prst="rect">
+            <a:avLst/>
+          </a:prstGeom>
+        </p:spPr>
+      </p:pic>
+      <p:pic>
+        <p:nvPicPr>
+          <p:cNvPr id="7" name="그림 6">
+            <a:extLst>
+              <a:ext uri="{FF2B5EF4-FFF2-40B4-BE49-F238E27FC236}">
+                <a16:creationId xmlns:a16="http://schemas.microsoft.com/office/drawing/2014/main" id="{F965A81F-205D-4751-A0ED-07872762D0B9}"/>
+              </a:ext>
+            </a:extLst>
+          </p:cNvPr>
+          <p:cNvPicPr>
+            <a:picLocks noChangeAspect="1"/>
+          </p:cNvPicPr>
+          <p:nvPr/>
+        </p:nvPicPr>
+        <p:blipFill>
+          <a:blip r:embed="rId3"/>
+          <a:stretch>
+            <a:fillRect/>
+          </a:stretch>
+        </p:blipFill>
+        <p:spPr>
+          <a:xfrm>
+            <a:off x="6537158" y="1601134"/>
+            <a:ext cx="5272437" cy="5044701"/>
+          </a:xfrm>
+          <a:prstGeom prst="rect">
+            <a:avLst/>
+          </a:prstGeom>
+        </p:spPr>
+      </p:pic>
+    </p:spTree>
+    <p:extLst>
+      <p:ext uri="{BB962C8B-B14F-4D97-AF65-F5344CB8AC3E}">
+        <p14:creationId xmlns:p14="http://schemas.microsoft.com/office/powerpoint/2010/main" val="203721560"/>
+      </p:ext>
+    </p:extLst>
+  </p:cSld>
+  <p:clrMapOvr>
+    <a:masterClrMapping/>
+  </p:clrMapOvr>
+</p:sld>
+</file>
+
+<file path=ppt/slides/slide11.xml><?xml version="1.0" encoding="utf-8"?>
+<p:sld xmlns:a="http://schemas.openxmlformats.org/drawingml/2006/main" xmlns:r="http://schemas.openxmlformats.org/officeDocument/2006/relationships" xmlns:p="http://schemas.openxmlformats.org/presentationml/2006/main">
+  <p:cSld>
+    <p:spTree>
+      <p:nvGrpSpPr>
+        <p:cNvPr id="1" name=""/>
+        <p:cNvGrpSpPr/>
+        <p:nvPr/>
+      </p:nvGrpSpPr>
+      <p:grpSpPr>
+        <a:xfrm>
+          <a:off x="0" y="0"/>
+          <a:ext cx="0" cy="0"/>
+          <a:chOff x="0" y="0"/>
+          <a:chExt cx="0" cy="0"/>
+        </a:xfrm>
+      </p:grpSpPr>
+      <p:sp>
+        <p:nvSpPr>
+          <p:cNvPr id="2" name="제목 1">
+            <a:extLst>
+              <a:ext uri="{FF2B5EF4-FFF2-40B4-BE49-F238E27FC236}">
+                <a16:creationId xmlns:a16="http://schemas.microsoft.com/office/drawing/2014/main" id="{87F2365C-0CA7-4ABC-89A2-2532FC56DABF}"/>
+              </a:ext>
+            </a:extLst>
+          </p:cNvPr>
+          <p:cNvSpPr>
+            <a:spLocks noGrp="1"/>
+          </p:cNvSpPr>
+          <p:nvPr>
+            <p:ph type="title"/>
+          </p:nvPr>
+        </p:nvSpPr>
+        <p:spPr/>
+        <p:txBody>
+          <a:bodyPr/>
+          <a:lstStyle/>
+          <a:p>
+            <a:r>
+              <a:rPr lang="ko-KR" altLang="en-US" dirty="0"/>
+              <a:t>문제점</a:t>
+            </a:r>
+          </a:p>
+        </p:txBody>
+      </p:sp>
+      <p:sp>
+        <p:nvSpPr>
+          <p:cNvPr id="3" name="내용 개체 틀 2">
+            <a:extLst>
+              <a:ext uri="{FF2B5EF4-FFF2-40B4-BE49-F238E27FC236}">
+                <a16:creationId xmlns:a16="http://schemas.microsoft.com/office/drawing/2014/main" id="{ADED8004-C147-4982-B9B2-734F544075B9}"/>
+              </a:ext>
+            </a:extLst>
+          </p:cNvPr>
+          <p:cNvSpPr>
+            <a:spLocks noGrp="1"/>
+          </p:cNvSpPr>
+          <p:nvPr>
+            <p:ph idx="1"/>
+          </p:nvPr>
+        </p:nvSpPr>
+        <p:spPr/>
+        <p:txBody>
+          <a:bodyPr/>
+          <a:lstStyle/>
+          <a:p>
+            <a:r>
+              <a:rPr lang="ko-KR" altLang="ko-KR" dirty="0"/>
+              <a:t>과거의 데이터 중 가장 중요한 데이터는 바로 직전의 데이터이지만 해당 데이터가 </a:t>
+            </a:r>
+            <a:r>
+              <a:rPr lang="en-US" altLang="ko-KR" dirty="0"/>
+              <a:t>n</a:t>
+            </a:r>
+            <a:r>
+              <a:rPr lang="ko-KR" altLang="ko-KR" dirty="0"/>
+              <a:t>이 커질 수록 </a:t>
+            </a:r>
+            <a:r>
+              <a:rPr lang="ko-KR" altLang="en-US" dirty="0"/>
+              <a:t>영향을 미치는 비중이 줄어든다</a:t>
+            </a:r>
+            <a:r>
+              <a:rPr lang="en-US" altLang="ko-KR" dirty="0"/>
+              <a:t>.</a:t>
+            </a:r>
+          </a:p>
+          <a:p>
+            <a:r>
+              <a:rPr lang="ko-KR" altLang="en-US" dirty="0"/>
+              <a:t>회귀 문제를 분류 방법으로 접근하고자 했더니 큰 오류를 반복했다</a:t>
+            </a:r>
+            <a:r>
+              <a:rPr lang="en-US" altLang="ko-KR" dirty="0"/>
+              <a:t>.</a:t>
+            </a:r>
+          </a:p>
+          <a:p>
+            <a:endParaRPr lang="ko-KR" altLang="en-US" dirty="0"/>
+          </a:p>
+        </p:txBody>
+      </p:sp>
+    </p:spTree>
+    <p:extLst>
+      <p:ext uri="{BB962C8B-B14F-4D97-AF65-F5344CB8AC3E}">
+        <p14:creationId xmlns:p14="http://schemas.microsoft.com/office/powerpoint/2010/main" val="1871190855"/>
+      </p:ext>
+    </p:extLst>
+  </p:cSld>
+  <p:clrMapOvr>
+    <a:masterClrMapping/>
+  </p:clrMapOvr>
+</p:sld>
+</file>
+
 <file path=ppt/slides/slide2.xml><?xml version="1.0" encoding="utf-8"?>
 <p:sld xmlns:a="http://schemas.openxmlformats.org/drawingml/2006/main" xmlns:r="http://schemas.openxmlformats.org/officeDocument/2006/relationships" xmlns:p="http://schemas.openxmlformats.org/presentationml/2006/main">
   <p:cSld>
@@ -7041,11 +7302,70 @@
           </a:p>
           <a:p>
             <a:pPr latinLnBrk="0"/>
+            <a:r>
+              <a:rPr lang="ko-KR" altLang="en-US" sz="2400" dirty="0">
+                <a:solidFill>
+                  <a:srgbClr val="FFFFFF"/>
+                </a:solidFill>
+              </a:rPr>
+              <a:t>가격 데이터를 </a:t>
+            </a:r>
+            <a:r>
+              <a:rPr lang="en-US" altLang="ko-KR" sz="2400" dirty="0">
+                <a:solidFill>
+                  <a:srgbClr val="FFFFFF"/>
+                </a:solidFill>
+              </a:rPr>
+              <a:t>n = 10</a:t>
+            </a:r>
+            <a:r>
+              <a:rPr lang="ko-KR" altLang="en-US" sz="2400" dirty="0" err="1">
+                <a:solidFill>
+                  <a:srgbClr val="FFFFFF"/>
+                </a:solidFill>
+              </a:rPr>
+              <a:t>일때</a:t>
+            </a:r>
+            <a:r>
+              <a:rPr lang="ko-KR" altLang="en-US" sz="2400" dirty="0">
+                <a:solidFill>
+                  <a:srgbClr val="FFFFFF"/>
+                </a:solidFill>
+              </a:rPr>
+              <a:t> </a:t>
+            </a:r>
             <a:endParaRPr lang="en-US" altLang="ko-KR" sz="2400" dirty="0">
               <a:solidFill>
                 <a:srgbClr val="FFFFFF"/>
               </a:solidFill>
             </a:endParaRPr>
+          </a:p>
+          <a:p>
+            <a:pPr latinLnBrk="0"/>
+            <a:r>
+              <a:rPr lang="en-US" altLang="ko-KR" sz="2400" dirty="0">
+                <a:solidFill>
+                  <a:srgbClr val="FFFFFF"/>
+                </a:solidFill>
+              </a:rPr>
+              <a:t>(2607, 10)</a:t>
+            </a:r>
+            <a:r>
+              <a:rPr lang="ko-KR" altLang="en-US" sz="2400" dirty="0">
+                <a:solidFill>
+                  <a:srgbClr val="FFFFFF"/>
+                </a:solidFill>
+              </a:rPr>
+              <a:t>의 형태로 변경하였다</a:t>
+            </a:r>
+            <a:r>
+              <a:rPr lang="en-US" altLang="ko-KR" sz="2400" dirty="0">
+                <a:solidFill>
+                  <a:srgbClr val="FFFFFF"/>
+                </a:solidFill>
+              </a:rPr>
+              <a:t>.</a:t>
+            </a:r>
           </a:p>
           <a:p>
             <a:pPr latinLnBrk="0"/>
@@ -7601,6 +7921,14 @@
 <file path=ppt/slides/slide5.xml><?xml version="1.0" encoding="utf-8"?>
 <p:sld xmlns:a="http://schemas.openxmlformats.org/drawingml/2006/main" xmlns:r="http://schemas.openxmlformats.org/officeDocument/2006/relationships" xmlns:p="http://schemas.openxmlformats.org/presentationml/2006/main">
   <p:cSld>
+    <p:bg>
+      <p:bgPr>
+        <a:solidFill>
+          <a:schemeClr val="bg2"/>
+        </a:solidFill>
+        <a:effectLst/>
+      </p:bgPr>
+    </p:bg>
     <p:spTree>
       <p:nvGrpSpPr>
         <p:cNvPr id="1" name=""/>
@@ -7617,6 +7945,69 @@
       </p:grpSpPr>
       <p:sp>
         <p:nvSpPr>
+          <p:cNvPr id="9" name="Rectangle 8">
+            <a:extLst>
+              <a:ext uri="{FF2B5EF4-FFF2-40B4-BE49-F238E27FC236}">
+                <a16:creationId xmlns:a16="http://schemas.microsoft.com/office/drawing/2014/main" id="{10F24D38-B79E-44B4-830E-043F45D96DC2}"/>
+              </a:ext>
+              <a:ext uri="{C183D7F6-B498-43B3-948B-1728B52AA6E4}">
+                <adec:decorative xmlns:adec="http://schemas.microsoft.com/office/drawing/2017/decorative" val="1"/>
+              </a:ext>
+            </a:extLst>
+          </p:cNvPr>
+          <p:cNvSpPr>
+            <a:spLocks noGrp="1" noRot="1" noChangeAspect="1" noMove="1" noResize="1" noEditPoints="1" noAdjustHandles="1" noChangeArrowheads="1" noChangeShapeType="1" noTextEdit="1"/>
+          </p:cNvSpPr>
+          <p:nvPr>
+            <p:extLst>
+              <p:ext uri="{386F3935-93C4-4BCD-93E2-E3B085C9AB24}">
+                <p16:designElem xmlns:p16="http://schemas.microsoft.com/office/powerpoint/2015/main" val="1"/>
+              </p:ext>
+            </p:extLst>
+          </p:nvPr>
+        </p:nvSpPr>
+        <p:spPr>
+          <a:xfrm>
+            <a:off x="0" y="0"/>
+            <a:ext cx="12192000" cy="6858000"/>
+          </a:xfrm>
+          <a:prstGeom prst="rect">
+            <a:avLst/>
+          </a:prstGeom>
+          <a:solidFill>
+            <a:schemeClr val="accent1"/>
+          </a:solidFill>
+          <a:ln>
+            <a:noFill/>
+          </a:ln>
+        </p:spPr>
+        <p:style>
+          <a:lnRef idx="2">
+            <a:schemeClr val="accent1">
+              <a:shade val="50000"/>
+            </a:schemeClr>
+          </a:lnRef>
+          <a:fillRef idx="1">
+            <a:schemeClr val="accent1"/>
+          </a:fillRef>
+          <a:effectRef idx="0">
+            <a:schemeClr val="accent1"/>
+          </a:effectRef>
+          <a:fontRef idx="minor">
+            <a:schemeClr val="lt1"/>
+          </a:fontRef>
+        </p:style>
+        <p:txBody>
+          <a:bodyPr rtlCol="0" anchor="ctr"/>
+          <a:lstStyle/>
+          <a:p>
+            <a:pPr algn="ctr"/>
+            <a:endParaRPr lang="en-US"/>
+          </a:p>
+        </p:txBody>
+      </p:sp>
+      <p:sp>
+        <p:nvSpPr>
           <p:cNvPr id="2" name="제목 1">
             <a:extLst>
               <a:ext uri="{FF2B5EF4-FFF2-40B4-BE49-F238E27FC236}">
@@ -7631,18 +8022,87 @@
             <p:ph type="title"/>
           </p:nvPr>
         </p:nvSpPr>
-        <p:spPr/>
-        <p:txBody>
-          <a:bodyPr/>
+        <p:spPr>
+          <a:xfrm>
+            <a:off x="838200" y="620742"/>
+            <a:ext cx="10515600" cy="1325563"/>
+          </a:xfrm>
+        </p:spPr>
+        <p:txBody>
+          <a:bodyPr vert="horz" lIns="91440" tIns="45720" rIns="91440" bIns="45720" rtlCol="0" anchor="ctr">
+            <a:normAutofit/>
+          </a:bodyPr>
           <a:lstStyle/>
           <a:p>
-            <a:r>
-              <a:rPr lang="ko-KR" altLang="en-US" dirty="0"/>
+            <a:pPr latinLnBrk="0"/>
+            <a:r>
+              <a:rPr lang="ko-KR" altLang="en-US" kern="1200">
+                <a:solidFill>
+                  <a:srgbClr val="FFFFFF"/>
+                </a:solidFill>
+                <a:latin typeface="+mj-lt"/>
+                <a:ea typeface="+mj-ea"/>
+                <a:cs typeface="+mj-cs"/>
+              </a:rPr>
               <a:t>분석 내용</a:t>
             </a:r>
           </a:p>
         </p:txBody>
       </p:sp>
+      <p:cxnSp>
+        <p:nvCxnSpPr>
+          <p:cNvPr id="11" name="Straight Connector 10">
+            <a:extLst>
+              <a:ext uri="{FF2B5EF4-FFF2-40B4-BE49-F238E27FC236}">
+                <a16:creationId xmlns:a16="http://schemas.microsoft.com/office/drawing/2014/main" id="{FC469874-256B-45B3-A79C-7591B4BA1ECC}"/>
+              </a:ext>
+              <a:ext uri="{C183D7F6-B498-43B3-948B-1728B52AA6E4}">
+                <adec:decorative xmlns:adec="http://schemas.microsoft.com/office/drawing/2017/decorative" val="1"/>
+              </a:ext>
+            </a:extLst>
+          </p:cNvPr>
+          <p:cNvCxnSpPr>
+            <a:cxnSpLocks noGrp="1" noRot="1" noChangeAspect="1" noMove="1" noResize="1" noEditPoints="1" noAdjustHandles="1" noChangeArrowheads="1" noChangeShapeType="1"/>
+          </p:cNvCxnSpPr>
+          <p:nvPr>
+            <p:extLst>
+              <p:ext uri="{386F3935-93C4-4BCD-93E2-E3B085C9AB24}">
+                <p16:designElem xmlns:p16="http://schemas.microsoft.com/office/powerpoint/2015/main" val="1"/>
+              </p:ext>
+            </p:extLst>
+          </p:nvPr>
+        </p:nvCxnSpPr>
+        <p:spPr>
+          <a:xfrm flipV="1">
+            <a:off x="762000" y="826324"/>
+            <a:ext cx="0" cy="914400"/>
+          </a:xfrm>
+          <a:prstGeom prst="line">
+            <a:avLst/>
+          </a:prstGeom>
+          <a:ln w="19050">
+            <a:solidFill>
+              <a:srgbClr val="FFFFFF">
+                <a:alpha val="80000"/>
+              </a:srgbClr>
+            </a:solidFill>
+          </a:ln>
+        </p:spPr>
+        <p:style>
+          <a:lnRef idx="1">
+            <a:schemeClr val="accent1"/>
+          </a:lnRef>
+          <a:fillRef idx="0">
+            <a:schemeClr val="accent1"/>
+          </a:fillRef>
+          <a:effectRef idx="0">
+            <a:schemeClr val="accent1"/>
+          </a:effectRef>
+          <a:fontRef idx="minor">
+            <a:schemeClr val="tx1"/>
+          </a:fontRef>
+        </p:style>
+      </p:cxnSp>
       <p:sp>
         <p:nvSpPr>
           <p:cNvPr id="3" name="내용 개체 틀 2">
@@ -7659,20 +8119,295 @@
             <p:ph idx="1"/>
           </p:nvPr>
         </p:nvSpPr>
-        <p:spPr/>
-        <p:txBody>
-          <a:bodyPr/>
+        <p:spPr>
+          <a:xfrm>
+            <a:off x="838200" y="2266345"/>
+            <a:ext cx="5097780" cy="3910617"/>
+          </a:xfrm>
+        </p:spPr>
+        <p:txBody>
+          <a:bodyPr vert="horz" lIns="91440" tIns="45720" rIns="91440" bIns="45720" rtlCol="0">
+            <a:normAutofit/>
+          </a:bodyPr>
           <a:lstStyle/>
           <a:p>
-            <a:r>
-              <a:rPr lang="ko-KR" altLang="en-US" dirty="0"/>
+            <a:pPr latinLnBrk="0"/>
+            <a:r>
+              <a:rPr lang="ko-KR" altLang="en-US" sz="2400">
+                <a:solidFill>
+                  <a:srgbClr val="FFFFFF"/>
+                </a:solidFill>
+              </a:rPr>
+              <a:t>기존</a:t>
+            </a:r>
+            <a:endParaRPr lang="en-US" altLang="ko-KR" sz="2400">
+              <a:solidFill>
+                <a:srgbClr val="FFFFFF"/>
+              </a:solidFill>
+            </a:endParaRPr>
+          </a:p>
+          <a:p>
+            <a:pPr latinLnBrk="0"/>
+            <a:r>
+              <a:rPr lang="ko-KR" altLang="en-US" sz="2400">
+                <a:solidFill>
+                  <a:srgbClr val="FFFFFF"/>
+                </a:solidFill>
+              </a:rPr>
               <a:t>가격이라는 종속 변수를 변환시키는 주 성분을 찾기 위해서 사용할 예정이다</a:t>
             </a:r>
             <a:r>
-              <a:rPr lang="en-US" altLang="ko-KR" dirty="0"/>
+              <a:rPr lang="en-US" altLang="ko-KR" sz="2400">
+                <a:solidFill>
+                  <a:srgbClr val="FFFFFF"/>
+                </a:solidFill>
+              </a:rPr>
               <a:t>.</a:t>
             </a:r>
-            <a:endParaRPr lang="ko-KR" altLang="en-US" dirty="0"/>
+          </a:p>
+        </p:txBody>
+      </p:sp>
+      <p:sp>
+        <p:nvSpPr>
+          <p:cNvPr id="4" name="내용 개체 틀 2">
+            <a:extLst>
+              <a:ext uri="{FF2B5EF4-FFF2-40B4-BE49-F238E27FC236}">
+                <a16:creationId xmlns:a16="http://schemas.microsoft.com/office/drawing/2014/main" id="{07C529CE-A453-4323-B5FD-AFB92CAC485F}"/>
+              </a:ext>
+            </a:extLst>
+          </p:cNvPr>
+          <p:cNvSpPr txBox="1">
+            <a:spLocks/>
+          </p:cNvSpPr>
+          <p:nvPr/>
+        </p:nvSpPr>
+        <p:spPr>
+          <a:xfrm>
+            <a:off x="6256020" y="2266345"/>
+            <a:ext cx="5097780" cy="3910618"/>
+          </a:xfrm>
+          <a:prstGeom prst="rect">
+            <a:avLst/>
+          </a:prstGeom>
+        </p:spPr>
+        <p:txBody>
+          <a:bodyPr vert="horz" lIns="91440" tIns="45720" rIns="91440" bIns="45720" rtlCol="0">
+            <a:normAutofit/>
+          </a:bodyPr>
+          <a:lstStyle>
+            <a:lvl1pPr marL="228600" indent="-228600" algn="l" defTabSz="914400" rtl="0" eaLnBrk="1" latinLnBrk="1" hangingPunct="1">
+              <a:lnSpc>
+                <a:spcPct val="90000"/>
+              </a:lnSpc>
+              <a:spcBef>
+                <a:spcPts val="1000"/>
+              </a:spcBef>
+              <a:buFont typeface="Arial" panose="020B0604020202020204" pitchFamily="34" charset="0"/>
+              <a:buChar char="•"/>
+              <a:defRPr sz="2800" kern="1200">
+                <a:solidFill>
+                  <a:schemeClr val="tx1"/>
+                </a:solidFill>
+                <a:latin typeface="+mn-lt"/>
+                <a:ea typeface="+mn-ea"/>
+                <a:cs typeface="+mn-cs"/>
+              </a:defRPr>
+            </a:lvl1pPr>
+            <a:lvl2pPr marL="685800" indent="-228600" algn="l" defTabSz="914400" rtl="0" eaLnBrk="1" latinLnBrk="1" hangingPunct="1">
+              <a:lnSpc>
+                <a:spcPct val="90000"/>
+              </a:lnSpc>
+              <a:spcBef>
+                <a:spcPts val="500"/>
+              </a:spcBef>
+              <a:buFont typeface="Arial" panose="020B0604020202020204" pitchFamily="34" charset="0"/>
+              <a:buChar char="•"/>
+              <a:defRPr sz="2400" kern="1200">
+                <a:solidFill>
+                  <a:schemeClr val="tx1"/>
+                </a:solidFill>
+                <a:latin typeface="+mn-lt"/>
+                <a:ea typeface="+mn-ea"/>
+                <a:cs typeface="+mn-cs"/>
+              </a:defRPr>
+            </a:lvl2pPr>
+            <a:lvl3pPr marL="1143000" indent="-228600" algn="l" defTabSz="914400" rtl="0" eaLnBrk="1" latinLnBrk="1" hangingPunct="1">
+              <a:lnSpc>
+                <a:spcPct val="90000"/>
+              </a:lnSpc>
+              <a:spcBef>
+                <a:spcPts val="500"/>
+              </a:spcBef>
+              <a:buFont typeface="Arial" panose="020B0604020202020204" pitchFamily="34" charset="0"/>
+              <a:buChar char="•"/>
+              <a:defRPr sz="2000" kern="1200">
+                <a:solidFill>
+                  <a:schemeClr val="tx1"/>
+                </a:solidFill>
+                <a:latin typeface="+mn-lt"/>
+                <a:ea typeface="+mn-ea"/>
+                <a:cs typeface="+mn-cs"/>
+              </a:defRPr>
+            </a:lvl3pPr>
+            <a:lvl4pPr marL="1600200" indent="-228600" algn="l" defTabSz="914400" rtl="0" eaLnBrk="1" latinLnBrk="1" hangingPunct="1">
+              <a:lnSpc>
+                <a:spcPct val="90000"/>
+              </a:lnSpc>
+              <a:spcBef>
+                <a:spcPts val="500"/>
+              </a:spcBef>
+              <a:buFont typeface="Arial" panose="020B0604020202020204" pitchFamily="34" charset="0"/>
+              <a:buChar char="•"/>
+              <a:defRPr sz="1800" kern="1200">
+                <a:solidFill>
+                  <a:schemeClr val="tx1"/>
+                </a:solidFill>
+                <a:latin typeface="+mn-lt"/>
+                <a:ea typeface="+mn-ea"/>
+                <a:cs typeface="+mn-cs"/>
+              </a:defRPr>
+            </a:lvl4pPr>
+            <a:lvl5pPr marL="2057400" indent="-228600" algn="l" defTabSz="914400" rtl="0" eaLnBrk="1" latinLnBrk="1" hangingPunct="1">
+              <a:lnSpc>
+                <a:spcPct val="90000"/>
+              </a:lnSpc>
+              <a:spcBef>
+                <a:spcPts val="500"/>
+              </a:spcBef>
+              <a:buFont typeface="Arial" panose="020B0604020202020204" pitchFamily="34" charset="0"/>
+              <a:buChar char="•"/>
+              <a:defRPr sz="1800" kern="1200">
+                <a:solidFill>
+                  <a:schemeClr val="tx1"/>
+                </a:solidFill>
+                <a:latin typeface="+mn-lt"/>
+                <a:ea typeface="+mn-ea"/>
+                <a:cs typeface="+mn-cs"/>
+              </a:defRPr>
+            </a:lvl5pPr>
+            <a:lvl6pPr marL="2514600" indent="-228600" algn="l" defTabSz="914400" rtl="0" eaLnBrk="1" latinLnBrk="1" hangingPunct="1">
+              <a:lnSpc>
+                <a:spcPct val="90000"/>
+              </a:lnSpc>
+              <a:spcBef>
+                <a:spcPts val="500"/>
+              </a:spcBef>
+              <a:buFont typeface="Arial" panose="020B0604020202020204" pitchFamily="34" charset="0"/>
+              <a:buChar char="•"/>
+              <a:defRPr sz="1800" kern="1200">
+                <a:solidFill>
+                  <a:schemeClr val="tx1"/>
+                </a:solidFill>
+                <a:latin typeface="+mn-lt"/>
+                <a:ea typeface="+mn-ea"/>
+                <a:cs typeface="+mn-cs"/>
+              </a:defRPr>
+            </a:lvl6pPr>
+            <a:lvl7pPr marL="2971800" indent="-228600" algn="l" defTabSz="914400" rtl="0" eaLnBrk="1" latinLnBrk="1" hangingPunct="1">
+              <a:lnSpc>
+                <a:spcPct val="90000"/>
+              </a:lnSpc>
+              <a:spcBef>
+                <a:spcPts val="500"/>
+              </a:spcBef>
+              <a:buFont typeface="Arial" panose="020B0604020202020204" pitchFamily="34" charset="0"/>
+              <a:buChar char="•"/>
+              <a:defRPr sz="1800" kern="1200">
+                <a:solidFill>
+                  <a:schemeClr val="tx1"/>
+                </a:solidFill>
+                <a:latin typeface="+mn-lt"/>
+                <a:ea typeface="+mn-ea"/>
+                <a:cs typeface="+mn-cs"/>
+              </a:defRPr>
+            </a:lvl7pPr>
+            <a:lvl8pPr marL="3429000" indent="-228600" algn="l" defTabSz="914400" rtl="0" eaLnBrk="1" latinLnBrk="1" hangingPunct="1">
+              <a:lnSpc>
+                <a:spcPct val="90000"/>
+              </a:lnSpc>
+              <a:spcBef>
+                <a:spcPts val="500"/>
+              </a:spcBef>
+              <a:buFont typeface="Arial" panose="020B0604020202020204" pitchFamily="34" charset="0"/>
+              <a:buChar char="•"/>
+              <a:defRPr sz="1800" kern="1200">
+                <a:solidFill>
+                  <a:schemeClr val="tx1"/>
+                </a:solidFill>
+                <a:latin typeface="+mn-lt"/>
+                <a:ea typeface="+mn-ea"/>
+                <a:cs typeface="+mn-cs"/>
+              </a:defRPr>
+            </a:lvl8pPr>
+            <a:lvl9pPr marL="3886200" indent="-228600" algn="l" defTabSz="914400" rtl="0" eaLnBrk="1" latinLnBrk="1" hangingPunct="1">
+              <a:lnSpc>
+                <a:spcPct val="90000"/>
+              </a:lnSpc>
+              <a:spcBef>
+                <a:spcPts val="500"/>
+              </a:spcBef>
+              <a:buFont typeface="Arial" panose="020B0604020202020204" pitchFamily="34" charset="0"/>
+              <a:buChar char="•"/>
+              <a:defRPr sz="1800" kern="1200">
+                <a:solidFill>
+                  <a:schemeClr val="tx1"/>
+                </a:solidFill>
+                <a:latin typeface="+mn-lt"/>
+                <a:ea typeface="+mn-ea"/>
+                <a:cs typeface="+mn-cs"/>
+              </a:defRPr>
+            </a:lvl9pPr>
+          </a:lstStyle>
+          <a:p>
+            <a:pPr latinLnBrk="0"/>
+            <a:r>
+              <a:rPr lang="ko-KR" altLang="en-US" sz="2400" dirty="0">
+                <a:solidFill>
+                  <a:srgbClr val="FFFFFF"/>
+                </a:solidFill>
+              </a:rPr>
+              <a:t>변경</a:t>
+            </a:r>
+            <a:endParaRPr lang="en-US" altLang="ko-KR" sz="2400" dirty="0">
+              <a:solidFill>
+                <a:srgbClr val="FFFFFF"/>
+              </a:solidFill>
+            </a:endParaRPr>
+          </a:p>
+          <a:p>
+            <a:pPr latinLnBrk="0"/>
+            <a:r>
+              <a:rPr lang="ko-KR" altLang="en-US" sz="2400" dirty="0">
+                <a:solidFill>
+                  <a:srgbClr val="FFFFFF"/>
+                </a:solidFill>
+              </a:rPr>
+              <a:t>가격 이외의 대부분의 특성이 의미 없음을 확인하고</a:t>
+            </a:r>
+            <a:r>
+              <a:rPr lang="en-US" altLang="ko-KR" sz="2400" dirty="0">
+                <a:solidFill>
+                  <a:srgbClr val="FFFFFF"/>
+                </a:solidFill>
+              </a:rPr>
+              <a:t>, </a:t>
+            </a:r>
+            <a:r>
+              <a:rPr lang="ko-KR" altLang="en-US" sz="2400" dirty="0">
+                <a:solidFill>
+                  <a:srgbClr val="FFFFFF"/>
+                </a:solidFill>
+              </a:rPr>
+              <a:t>가격을 이용하여 다음 가격을 추정하는 방식으로 진행한다</a:t>
+            </a:r>
+            <a:r>
+              <a:rPr lang="en-US" altLang="ko-KR" sz="2400" dirty="0">
+                <a:solidFill>
+                  <a:srgbClr val="FFFFFF"/>
+                </a:solidFill>
+              </a:rPr>
+              <a:t>.</a:t>
+            </a:r>
           </a:p>
         </p:txBody>
       </p:sp>
@@ -7684,7 +8419,7 @@
     </p:extLst>
   </p:cSld>
   <p:clrMapOvr>
-    <a:masterClrMapping/>
+    <a:overrideClrMapping bg1="dk1" tx1="lt1" bg2="dk2" tx2="lt2" accent1="accent1" accent2="accent2" accent3="accent3" accent4="accent4" accent5="accent5" accent6="accent6" hlink="hlink" folHlink="folHlink"/>
   </p:clrMapOvr>
 </p:sld>
 </file>
@@ -7729,17 +8464,17 @@
           <a:p>
             <a:r>
               <a:rPr lang="ko-KR" altLang="en-US" dirty="0"/>
-              <a:t>기본 예측 알고리즘</a:t>
-            </a:r>
-          </a:p>
-        </p:txBody>
-      </p:sp>
-      <p:sp>
-        <p:nvSpPr>
-          <p:cNvPr id="3" name="내용 개체 틀 2">
-            <a:extLst>
-              <a:ext uri="{FF2B5EF4-FFF2-40B4-BE49-F238E27FC236}">
-                <a16:creationId xmlns:a16="http://schemas.microsoft.com/office/drawing/2014/main" id="{EF974FDD-BDC4-43CE-81C3-7E8EBD0E49A3}"/>
+              <a:t>분석 내용</a:t>
+            </a:r>
+          </a:p>
+        </p:txBody>
+      </p:sp>
+      <p:sp>
+        <p:nvSpPr>
+          <p:cNvPr id="5" name="내용 개체 틀 4">
+            <a:extLst>
+              <a:ext uri="{FF2B5EF4-FFF2-40B4-BE49-F238E27FC236}">
+                <a16:creationId xmlns:a16="http://schemas.microsoft.com/office/drawing/2014/main" id="{8FE02B3E-EB4F-4F78-B290-808CA48B43A1}"/>
               </a:ext>
             </a:extLst>
           </p:cNvPr>
@@ -7750,24 +8485,91 @@
             <p:ph idx="1"/>
           </p:nvPr>
         </p:nvSpPr>
-        <p:spPr/>
+        <p:spPr>
+          <a:xfrm>
+            <a:off x="838200" y="1670635"/>
+            <a:ext cx="10515600" cy="4351338"/>
+          </a:xfrm>
+        </p:spPr>
         <p:txBody>
           <a:bodyPr/>
           <a:lstStyle/>
           <a:p>
             <a:r>
+              <a:rPr lang="ko-KR" altLang="en-US" dirty="0"/>
+              <a:t>과거의 </a:t>
+            </a:r>
+            <a:r>
               <a:rPr lang="en-US" altLang="ko-KR" dirty="0"/>
-              <a:t>RNN + LSTM</a:t>
-            </a:r>
-          </a:p>
-          <a:p>
+              <a:t>n</a:t>
+            </a:r>
             <a:r>
               <a:rPr lang="ko-KR" altLang="en-US" dirty="0"/>
-              <a:t>데이터 정규화</a:t>
-            </a:r>
-          </a:p>
-        </p:txBody>
-      </p:sp>
+              <a:t>개의 데이터를 이용하여 이후의 </a:t>
+            </a:r>
+            <a:r>
+              <a:rPr lang="en-US" altLang="ko-KR" dirty="0"/>
+              <a:t>1</a:t>
+            </a:r>
+            <a:r>
+              <a:rPr lang="ko-KR" altLang="en-US" dirty="0"/>
+              <a:t>개의 데이터를 추정하는 방법 이용한다</a:t>
+            </a:r>
+            <a:r>
+              <a:rPr lang="en-US" altLang="ko-KR" dirty="0"/>
+              <a:t>.</a:t>
+            </a:r>
+            <a:endParaRPr lang="ko-KR" altLang="en-US" dirty="0"/>
+          </a:p>
+        </p:txBody>
+      </p:sp>
+      <p:pic>
+        <p:nvPicPr>
+          <p:cNvPr id="1027" name="_x573556648">
+            <a:extLst>
+              <a:ext uri="{FF2B5EF4-FFF2-40B4-BE49-F238E27FC236}">
+                <a16:creationId xmlns:a16="http://schemas.microsoft.com/office/drawing/2014/main" id="{D6ECD475-A51E-4666-9085-BAE37E68FC27}"/>
+              </a:ext>
+            </a:extLst>
+          </p:cNvPr>
+          <p:cNvPicPr>
+            <a:picLocks noChangeAspect="1" noChangeArrowheads="1"/>
+          </p:cNvPicPr>
+          <p:nvPr/>
+        </p:nvPicPr>
+        <p:blipFill>
+          <a:blip r:embed="rId2">
+            <a:extLst>
+              <a:ext uri="{28A0092B-C50C-407E-A947-70E740481C1C}">
+                <a14:useLocalDpi xmlns:a14="http://schemas.microsoft.com/office/drawing/2010/main" val="0"/>
+              </a:ext>
+            </a:extLst>
+          </a:blip>
+          <a:srcRect/>
+          <a:stretch>
+            <a:fillRect/>
+          </a:stretch>
+        </p:blipFill>
+        <p:spPr bwMode="auto">
+          <a:xfrm>
+            <a:off x="838200" y="2699543"/>
+            <a:ext cx="10515600" cy="2367428"/>
+          </a:xfrm>
+          <a:prstGeom prst="rect">
+            <a:avLst/>
+          </a:prstGeom>
+          <a:noFill/>
+          <a:extLst>
+            <a:ext uri="{909E8E84-426E-40DD-AFC4-6F175D3DCCD1}">
+              <a14:hiddenFill xmlns:a14="http://schemas.microsoft.com/office/drawing/2010/main">
+                <a:solidFill>
+                  <a:srgbClr val="FFFFFF"/>
+                </a:solidFill>
+              </a14:hiddenFill>
+            </a:ext>
+          </a:extLst>
+        </p:spPr>
+      </p:pic>
     </p:spTree>
     <p:extLst>
       <p:ext uri="{BB962C8B-B14F-4D97-AF65-F5344CB8AC3E}">
@@ -7784,6 +8586,14 @@
 <file path=ppt/slides/slide7.xml><?xml version="1.0" encoding="utf-8"?>
 <p:sld xmlns:a="http://schemas.openxmlformats.org/drawingml/2006/main" xmlns:r="http://schemas.openxmlformats.org/officeDocument/2006/relationships" xmlns:p="http://schemas.openxmlformats.org/presentationml/2006/main">
   <p:cSld>
+    <p:bg>
+      <p:bgPr>
+        <a:solidFill>
+          <a:schemeClr val="bg1"/>
+        </a:solidFill>
+        <a:effectLst/>
+      </p:bgPr>
+    </p:bg>
     <p:spTree>
       <p:nvGrpSpPr>
         <p:cNvPr id="1" name=""/>
@@ -7814,9 +8624,16 @@
             <p:ph type="title"/>
           </p:nvPr>
         </p:nvSpPr>
-        <p:spPr/>
-        <p:txBody>
-          <a:bodyPr/>
+        <p:spPr>
+          <a:xfrm>
+            <a:off x="648929" y="629266"/>
+            <a:ext cx="3505495" cy="1622321"/>
+          </a:xfrm>
+        </p:spPr>
+        <p:txBody>
+          <a:bodyPr>
+            <a:normAutofit/>
+          </a:bodyPr>
           <a:lstStyle/>
           <a:p>
             <a:r>
@@ -7842,24 +8659,205 @@
             <p:ph idx="1"/>
           </p:nvPr>
         </p:nvSpPr>
-        <p:spPr/>
-        <p:txBody>
-          <a:bodyPr/>
+        <p:spPr>
+          <a:xfrm>
+            <a:off x="648931" y="2438400"/>
+            <a:ext cx="3505494" cy="3785419"/>
+          </a:xfrm>
+        </p:spPr>
+        <p:txBody>
+          <a:bodyPr>
+            <a:normAutofit/>
+          </a:bodyPr>
           <a:lstStyle/>
           <a:p>
             <a:r>
-              <a:rPr lang="ko-KR" altLang="en-US" dirty="0"/>
-              <a:t>가격을 통해 진행된 기본 예측</a:t>
-            </a:r>
+              <a:rPr lang="ko-KR" altLang="en-US" sz="2000" dirty="0"/>
+              <a:t>해당 방법의 </a:t>
+            </a:r>
+            <a:r>
+              <a:rPr lang="en-US" altLang="ko-KR" sz="2000" dirty="0"/>
+              <a:t>n</a:t>
+            </a:r>
+            <a:r>
+              <a:rPr lang="ko-KR" altLang="en-US" sz="2000" dirty="0"/>
+              <a:t>이 커지면 커질 수록 과적합이 커지는 것을 확인할 수 있었다</a:t>
+            </a:r>
+            <a:r>
+              <a:rPr lang="en-US" altLang="ko-KR" sz="2000" dirty="0"/>
+              <a:t>. </a:t>
+            </a:r>
+            <a:r>
+              <a:rPr lang="ko-KR" altLang="en-US" sz="2000" dirty="0"/>
+              <a:t>훈련 데이터의 정확도는 </a:t>
+            </a:r>
+            <a:r>
+              <a:rPr lang="en-US" altLang="ko-KR" sz="2000" dirty="0"/>
+              <a:t>0.8</a:t>
+            </a:r>
+            <a:r>
+              <a:rPr lang="ko-KR" altLang="en-US" sz="2000" dirty="0"/>
+              <a:t>이상이나 테스트 정확도는 </a:t>
+            </a:r>
+            <a:r>
+              <a:rPr lang="en-US" altLang="ko-KR" sz="2000" dirty="0"/>
+              <a:t>0.00</a:t>
+            </a:r>
+            <a:r>
+              <a:rPr lang="ko-KR" altLang="en-US" sz="2000" dirty="0"/>
+              <a:t>에 수렴한다</a:t>
+            </a:r>
+            <a:r>
+              <a:rPr lang="en-US" altLang="ko-KR" sz="2000" dirty="0"/>
+              <a:t>.</a:t>
+            </a:r>
+            <a:endParaRPr lang="ko-KR" altLang="en-US" sz="2000" dirty="0"/>
+          </a:p>
+        </p:txBody>
+      </p:sp>
+      <p:sp>
+        <p:nvSpPr>
+          <p:cNvPr id="12" name="Rectangle 11">
+            <a:extLst>
+              <a:ext uri="{FF2B5EF4-FFF2-40B4-BE49-F238E27FC236}">
+                <a16:creationId xmlns:a16="http://schemas.microsoft.com/office/drawing/2014/main" id="{5E39A796-BE83-48B1-B33F-35C4A32AAB57}"/>
+              </a:ext>
+              <a:ext uri="{C183D7F6-B498-43B3-948B-1728B52AA6E4}">
+                <adec:decorative xmlns:adec="http://schemas.microsoft.com/office/drawing/2017/decorative" val="1"/>
+              </a:ext>
+            </a:extLst>
+          </p:cNvPr>
+          <p:cNvSpPr>
+            <a:spLocks noGrp="1" noRot="1" noChangeAspect="1" noMove="1" noResize="1" noEditPoints="1" noAdjustHandles="1" noChangeArrowheads="1" noChangeShapeType="1" noTextEdit="1"/>
+          </p:cNvSpPr>
+          <p:nvPr>
+            <p:extLst>
+              <p:ext uri="{386F3935-93C4-4BCD-93E2-E3B085C9AB24}">
+                <p16:designElem xmlns:p16="http://schemas.microsoft.com/office/powerpoint/2015/main" val="1"/>
+              </p:ext>
+            </p:extLst>
+          </p:nvPr>
+        </p:nvSpPr>
+        <p:spPr>
+          <a:xfrm>
+            <a:off x="4639056" y="0"/>
+            <a:ext cx="7552944" cy="6858000"/>
+          </a:xfrm>
+          <a:prstGeom prst="rect">
+            <a:avLst/>
+          </a:prstGeom>
+          <a:solidFill>
+            <a:srgbClr val="C8CACA"/>
+          </a:solidFill>
+          <a:ln>
+            <a:noFill/>
+          </a:ln>
+        </p:spPr>
+        <p:style>
+          <a:lnRef idx="2">
+            <a:schemeClr val="accent1">
+              <a:shade val="50000"/>
+            </a:schemeClr>
+          </a:lnRef>
+          <a:fillRef idx="1">
+            <a:schemeClr val="accent1"/>
+          </a:fillRef>
+          <a:effectRef idx="0">
+            <a:schemeClr val="accent1"/>
+          </a:effectRef>
+          <a:fontRef idx="minor">
+            <a:schemeClr val="lt1"/>
+          </a:fontRef>
+        </p:style>
+        <p:txBody>
+          <a:bodyPr rtlCol="0" anchor="ctr"/>
+          <a:lstStyle/>
+          <a:p>
+            <a:pPr algn="ctr"/>
+            <a:endParaRPr lang="en-US"/>
+          </a:p>
+        </p:txBody>
+      </p:sp>
+      <p:sp>
+        <p:nvSpPr>
+          <p:cNvPr id="14" name="Rounded Rectangle 9">
+            <a:extLst>
+              <a:ext uri="{FF2B5EF4-FFF2-40B4-BE49-F238E27FC236}">
+                <a16:creationId xmlns:a16="http://schemas.microsoft.com/office/drawing/2014/main" id="{72F84B47-E267-4194-8194-831DB7B5547F}"/>
+              </a:ext>
+              <a:ext uri="{C183D7F6-B498-43B3-948B-1728B52AA6E4}">
+                <adec:decorative xmlns:adec="http://schemas.microsoft.com/office/drawing/2017/decorative" val="1"/>
+              </a:ext>
+            </a:extLst>
+          </p:cNvPr>
+          <p:cNvSpPr>
+            <a:spLocks noGrp="1" noRot="1" noChangeAspect="1" noMove="1" noResize="1" noEditPoints="1" noAdjustHandles="1" noChangeArrowheads="1" noChangeShapeType="1" noTextEdit="1"/>
+          </p:cNvSpPr>
+          <p:nvPr>
+            <p:extLst>
+              <p:ext uri="{386F3935-93C4-4BCD-93E2-E3B085C9AB24}">
+                <p16:designElem xmlns:p16="http://schemas.microsoft.com/office/powerpoint/2015/main" val="1"/>
+              </p:ext>
+            </p:extLst>
+          </p:nvPr>
+        </p:nvSpPr>
+        <p:spPr>
+          <a:xfrm>
+            <a:off x="5123688" y="557784"/>
+            <a:ext cx="6584098" cy="5739187"/>
+          </a:xfrm>
+          <a:prstGeom prst="roundRect">
+            <a:avLst>
+              <a:gd name="adj" fmla="val 0"/>
+            </a:avLst>
+          </a:prstGeom>
+          <a:solidFill>
+            <a:srgbClr val="FFFFFF"/>
+          </a:solidFill>
+          <a:ln w="9525">
+            <a:solidFill>
+              <a:srgbClr val="C8CACA"/>
+            </a:solidFill>
+          </a:ln>
+          <a:effectLst>
+            <a:outerShdw blurRad="57150" dist="19050" dir="5400000" algn="t" rotWithShape="0">
+              <a:prstClr val="black">
+                <a:alpha val="63000"/>
+              </a:prstClr>
+            </a:outerShdw>
+          </a:effectLst>
+        </p:spPr>
+        <p:style>
+          <a:lnRef idx="2">
+            <a:schemeClr val="accent1">
+              <a:shade val="50000"/>
+            </a:schemeClr>
+          </a:lnRef>
+          <a:fillRef idx="1">
+            <a:schemeClr val="accent1"/>
+          </a:fillRef>
+          <a:effectRef idx="0">
+            <a:schemeClr val="accent1"/>
+          </a:effectRef>
+          <a:fontRef idx="minor">
+            <a:schemeClr val="lt1"/>
+          </a:fontRef>
+        </p:style>
+        <p:txBody>
+          <a:bodyPr rtlCol="0" anchor="ctr"/>
+          <a:lstStyle/>
+          <a:p>
+            <a:pPr algn="ctr"/>
+            <a:endParaRPr lang="en-US"/>
           </a:p>
         </p:txBody>
       </p:sp>
       <p:pic>
         <p:nvPicPr>
-          <p:cNvPr id="5" name="그림 4">
-            <a:extLst>
-              <a:ext uri="{FF2B5EF4-FFF2-40B4-BE49-F238E27FC236}">
-                <a16:creationId xmlns:a16="http://schemas.microsoft.com/office/drawing/2014/main" id="{07771D3B-D8A0-4BC5-8149-E1ECD573F5F8}"/>
+          <p:cNvPr id="7" name="그림 6">
+            <a:extLst>
+              <a:ext uri="{FF2B5EF4-FFF2-40B4-BE49-F238E27FC236}">
+                <a16:creationId xmlns:a16="http://schemas.microsoft.com/office/drawing/2014/main" id="{5357402F-9F30-42A6-AC41-F2F0C53D71B5}"/>
               </a:ext>
             </a:extLst>
           </p:cNvPr>
@@ -7876,12 +8874,13 @@
         </p:blipFill>
         <p:spPr>
           <a:xfrm>
-            <a:off x="687804" y="2313321"/>
-            <a:ext cx="8737549" cy="4441587"/>
+            <a:off x="5405862" y="1636626"/>
+            <a:ext cx="6019331" cy="3581501"/>
           </a:xfrm>
           <a:prstGeom prst="rect">
             <a:avLst/>
           </a:prstGeom>
+          <a:effectLst/>
         </p:spPr>
       </p:pic>
     </p:spTree>
@@ -7900,6 +8899,14 @@
 <file path=ppt/slides/slide8.xml><?xml version="1.0" encoding="utf-8"?>
 <p:sld xmlns:a="http://schemas.openxmlformats.org/drawingml/2006/main" xmlns:r="http://schemas.openxmlformats.org/officeDocument/2006/relationships" xmlns:p="http://schemas.openxmlformats.org/presentationml/2006/main">
   <p:cSld>
+    <p:bg>
+      <p:bgPr>
+        <a:solidFill>
+          <a:schemeClr val="bg1"/>
+        </a:solidFill>
+        <a:effectLst/>
+      </p:bgPr>
+    </p:bg>
     <p:spTree>
       <p:nvGrpSpPr>
         <p:cNvPr id="1" name=""/>
@@ -7919,7 +8926,7 @@
           <p:cNvPr id="2" name="제목 1">
             <a:extLst>
               <a:ext uri="{FF2B5EF4-FFF2-40B4-BE49-F238E27FC236}">
-                <a16:creationId xmlns:a16="http://schemas.microsoft.com/office/drawing/2014/main" id="{EB77CC52-E82E-41FB-ACB2-D8435E23F1A1}"/>
+                <a16:creationId xmlns:a16="http://schemas.microsoft.com/office/drawing/2014/main" id="{FBD0C219-9459-4E5A-B51F-2519FC291A97}"/>
               </a:ext>
             </a:extLst>
           </p:cNvPr>
@@ -7930,14 +8937,21 @@
             <p:ph type="title"/>
           </p:nvPr>
         </p:nvSpPr>
-        <p:spPr/>
-        <p:txBody>
-          <a:bodyPr/>
+        <p:spPr>
+          <a:xfrm>
+            <a:off x="648929" y="629266"/>
+            <a:ext cx="3505495" cy="1622321"/>
+          </a:xfrm>
+        </p:spPr>
+        <p:txBody>
+          <a:bodyPr>
+            <a:normAutofit/>
+          </a:bodyPr>
           <a:lstStyle/>
           <a:p>
             <a:r>
               <a:rPr lang="ko-KR" altLang="en-US" dirty="0"/>
-              <a:t>기본 예측의 문제점</a:t>
+              <a:t>분석 내용</a:t>
             </a:r>
           </a:p>
         </p:txBody>
@@ -7947,7 +8961,7 @@
           <p:cNvPr id="3" name="내용 개체 틀 2">
             <a:extLst>
               <a:ext uri="{FF2B5EF4-FFF2-40B4-BE49-F238E27FC236}">
-                <a16:creationId xmlns:a16="http://schemas.microsoft.com/office/drawing/2014/main" id="{CBAEBA15-78B7-4A7E-A6DA-E459DE48C744}"/>
+                <a16:creationId xmlns:a16="http://schemas.microsoft.com/office/drawing/2014/main" id="{A384C6A3-29DC-4AD1-893C-BB204B9E6E1F}"/>
               </a:ext>
             </a:extLst>
           </p:cNvPr>
@@ -7958,64 +8972,530 @@
             <p:ph idx="1"/>
           </p:nvPr>
         </p:nvSpPr>
-        <p:spPr/>
-        <p:txBody>
-          <a:bodyPr/>
+        <p:spPr>
+          <a:xfrm>
+            <a:off x="648931" y="2438400"/>
+            <a:ext cx="3505494" cy="3785419"/>
+          </a:xfrm>
+        </p:spPr>
+        <p:txBody>
+          <a:bodyPr>
+            <a:normAutofit/>
+          </a:bodyPr>
           <a:lstStyle/>
           <a:p>
             <a:r>
-              <a:rPr lang="ko-KR" altLang="en-US" dirty="0"/>
-              <a:t>한정된 데이터 셋을 통해서 진행이 되어 있다</a:t>
-            </a:r>
-            <a:r>
-              <a:rPr lang="en-US" altLang="ko-KR" dirty="0"/>
+              <a:rPr lang="en-US" altLang="ko-KR" sz="2000" dirty="0"/>
+              <a:t>N</a:t>
+            </a:r>
+            <a:r>
+              <a:rPr lang="ko-KR" altLang="en-US" sz="2000" dirty="0"/>
+              <a:t>이 </a:t>
+            </a:r>
+            <a:r>
+              <a:rPr lang="en-US" altLang="ko-KR" sz="2000" dirty="0"/>
+              <a:t>10</a:t>
+            </a:r>
+            <a:r>
+              <a:rPr lang="ko-KR" altLang="en-US" sz="2000" dirty="0"/>
+              <a:t>이하로 작아지자</a:t>
+            </a:r>
+            <a:endParaRPr lang="en-US" altLang="ko-KR" sz="2000" dirty="0"/>
+          </a:p>
+          <a:p>
+            <a:r>
+              <a:rPr lang="ko-KR" altLang="en-US" sz="2000" dirty="0"/>
+              <a:t>훈련 세트의 정확도는 많이 떨어졌으나 테스트 세트가 그래프의 개형을 따라가는 모습을 보인다</a:t>
+            </a:r>
+            <a:r>
+              <a:rPr lang="en-US" altLang="ko-KR" sz="2000" dirty="0"/>
               <a:t>.</a:t>
             </a:r>
           </a:p>
           <a:p>
             <a:r>
-              <a:rPr lang="ko-KR" altLang="en-US" dirty="0"/>
-              <a:t>테스트 데이터 셋과 훈련 데이터 셋을 구별하기는 했지만</a:t>
-            </a:r>
-            <a:r>
-              <a:rPr lang="en-US" altLang="ko-KR" dirty="0"/>
-              <a:t>, </a:t>
-            </a:r>
-            <a:r>
-              <a:rPr lang="ko-KR" altLang="en-US" dirty="0"/>
-              <a:t>해당 데이터 셋의 경향성을 무시할 수는 없음</a:t>
-            </a:r>
-            <a:endParaRPr lang="en-US" altLang="ko-KR" dirty="0"/>
-          </a:p>
-          <a:p>
-            <a:r>
-              <a:rPr lang="en-US" altLang="ko-KR" dirty="0"/>
-              <a:t>2020</a:t>
-            </a:r>
-            <a:r>
-              <a:rPr lang="ko-KR" altLang="en-US" dirty="0"/>
-              <a:t>년 </a:t>
-            </a:r>
-            <a:r>
-              <a:rPr lang="en-US" altLang="ko-KR" dirty="0"/>
-              <a:t>02</a:t>
-            </a:r>
-            <a:r>
-              <a:rPr lang="ko-KR" altLang="en-US" dirty="0"/>
-              <a:t>월 이후의 데이터는 구할 수 있으므로 그것을 추정한 것과 실제 데이터 셋의 차이를 알아 봐야 함</a:t>
-            </a:r>
-            <a:r>
-              <a:rPr lang="en-US" altLang="ko-KR" dirty="0"/>
+              <a:rPr lang="ko-KR" altLang="en-US" sz="2000" dirty="0"/>
+              <a:t>하지만 다음 그래프와 같이 실제 값이 비정상적으로 기울기가 변하자 그 이후의 데이터를 추정하지 못하는 것을 확인할 수 있었다</a:t>
+            </a:r>
+            <a:r>
+              <a:rPr lang="en-US" altLang="ko-KR" sz="2000" dirty="0"/>
               <a:t>.</a:t>
             </a:r>
-            <a:endParaRPr lang="ko-KR" altLang="en-US" dirty="0"/>
-          </a:p>
-        </p:txBody>
-      </p:sp>
+            <a:r>
+              <a:rPr lang="ko-KR" altLang="en-US" sz="2000" dirty="0"/>
+              <a:t> </a:t>
+            </a:r>
+          </a:p>
+        </p:txBody>
+      </p:sp>
+      <p:sp>
+        <p:nvSpPr>
+          <p:cNvPr id="10" name="Rectangle 9">
+            <a:extLst>
+              <a:ext uri="{FF2B5EF4-FFF2-40B4-BE49-F238E27FC236}">
+                <a16:creationId xmlns:a16="http://schemas.microsoft.com/office/drawing/2014/main" id="{5E39A796-BE83-48B1-B33F-35C4A32AAB57}"/>
+              </a:ext>
+              <a:ext uri="{C183D7F6-B498-43B3-948B-1728B52AA6E4}">
+                <adec:decorative xmlns:adec="http://schemas.microsoft.com/office/drawing/2017/decorative" val="1"/>
+              </a:ext>
+            </a:extLst>
+          </p:cNvPr>
+          <p:cNvSpPr>
+            <a:spLocks noGrp="1" noRot="1" noChangeAspect="1" noMove="1" noResize="1" noEditPoints="1" noAdjustHandles="1" noChangeArrowheads="1" noChangeShapeType="1" noTextEdit="1"/>
+          </p:cNvSpPr>
+          <p:nvPr>
+            <p:extLst>
+              <p:ext uri="{386F3935-93C4-4BCD-93E2-E3B085C9AB24}">
+                <p16:designElem xmlns:p16="http://schemas.microsoft.com/office/powerpoint/2015/main" val="1"/>
+              </p:ext>
+            </p:extLst>
+          </p:nvPr>
+        </p:nvSpPr>
+        <p:spPr>
+          <a:xfrm>
+            <a:off x="4639056" y="0"/>
+            <a:ext cx="7552944" cy="6858000"/>
+          </a:xfrm>
+          <a:prstGeom prst="rect">
+            <a:avLst/>
+          </a:prstGeom>
+          <a:solidFill>
+            <a:srgbClr val="C8CACA"/>
+          </a:solidFill>
+          <a:ln>
+            <a:noFill/>
+          </a:ln>
+        </p:spPr>
+        <p:style>
+          <a:lnRef idx="2">
+            <a:schemeClr val="accent1">
+              <a:shade val="50000"/>
+            </a:schemeClr>
+          </a:lnRef>
+          <a:fillRef idx="1">
+            <a:schemeClr val="accent1"/>
+          </a:fillRef>
+          <a:effectRef idx="0">
+            <a:schemeClr val="accent1"/>
+          </a:effectRef>
+          <a:fontRef idx="minor">
+            <a:schemeClr val="lt1"/>
+          </a:fontRef>
+        </p:style>
+        <p:txBody>
+          <a:bodyPr rtlCol="0" anchor="ctr"/>
+          <a:lstStyle/>
+          <a:p>
+            <a:pPr algn="ctr"/>
+            <a:endParaRPr lang="en-US"/>
+          </a:p>
+        </p:txBody>
+      </p:sp>
+      <p:sp>
+        <p:nvSpPr>
+          <p:cNvPr id="12" name="Rounded Rectangle 9">
+            <a:extLst>
+              <a:ext uri="{FF2B5EF4-FFF2-40B4-BE49-F238E27FC236}">
+                <a16:creationId xmlns:a16="http://schemas.microsoft.com/office/drawing/2014/main" id="{72F84B47-E267-4194-8194-831DB7B5547F}"/>
+              </a:ext>
+              <a:ext uri="{C183D7F6-B498-43B3-948B-1728B52AA6E4}">
+                <adec:decorative xmlns:adec="http://schemas.microsoft.com/office/drawing/2017/decorative" val="1"/>
+              </a:ext>
+            </a:extLst>
+          </p:cNvPr>
+          <p:cNvSpPr>
+            <a:spLocks noGrp="1" noRot="1" noChangeAspect="1" noMove="1" noResize="1" noEditPoints="1" noAdjustHandles="1" noChangeArrowheads="1" noChangeShapeType="1" noTextEdit="1"/>
+          </p:cNvSpPr>
+          <p:nvPr>
+            <p:extLst>
+              <p:ext uri="{386F3935-93C4-4BCD-93E2-E3B085C9AB24}">
+                <p16:designElem xmlns:p16="http://schemas.microsoft.com/office/powerpoint/2015/main" val="1"/>
+              </p:ext>
+            </p:extLst>
+          </p:nvPr>
+        </p:nvSpPr>
+        <p:spPr>
+          <a:xfrm>
+            <a:off x="5123688" y="557784"/>
+            <a:ext cx="6584098" cy="5739187"/>
+          </a:xfrm>
+          <a:prstGeom prst="roundRect">
+            <a:avLst>
+              <a:gd name="adj" fmla="val 0"/>
+            </a:avLst>
+          </a:prstGeom>
+          <a:solidFill>
+            <a:srgbClr val="FFFFFF"/>
+          </a:solidFill>
+          <a:ln w="9525">
+            <a:solidFill>
+              <a:srgbClr val="C8CACA"/>
+            </a:solidFill>
+          </a:ln>
+          <a:effectLst>
+            <a:outerShdw blurRad="57150" dist="19050" dir="5400000" algn="t" rotWithShape="0">
+              <a:prstClr val="black">
+                <a:alpha val="63000"/>
+              </a:prstClr>
+            </a:outerShdw>
+          </a:effectLst>
+        </p:spPr>
+        <p:style>
+          <a:lnRef idx="2">
+            <a:schemeClr val="accent1">
+              <a:shade val="50000"/>
+            </a:schemeClr>
+          </a:lnRef>
+          <a:fillRef idx="1">
+            <a:schemeClr val="accent1"/>
+          </a:fillRef>
+          <a:effectRef idx="0">
+            <a:schemeClr val="accent1"/>
+          </a:effectRef>
+          <a:fontRef idx="minor">
+            <a:schemeClr val="lt1"/>
+          </a:fontRef>
+        </p:style>
+        <p:txBody>
+          <a:bodyPr rtlCol="0" anchor="ctr"/>
+          <a:lstStyle/>
+          <a:p>
+            <a:pPr algn="ctr"/>
+            <a:endParaRPr lang="en-US"/>
+          </a:p>
+        </p:txBody>
+      </p:sp>
+      <p:pic>
+        <p:nvPicPr>
+          <p:cNvPr id="5" name="그림 4">
+            <a:extLst>
+              <a:ext uri="{FF2B5EF4-FFF2-40B4-BE49-F238E27FC236}">
+                <a16:creationId xmlns:a16="http://schemas.microsoft.com/office/drawing/2014/main" id="{AAAFB17C-4520-4FB6-B6C4-AAFFF9D2C6E8}"/>
+              </a:ext>
+            </a:extLst>
+          </p:cNvPr>
+          <p:cNvPicPr>
+            <a:picLocks noChangeAspect="1"/>
+          </p:cNvPicPr>
+          <p:nvPr/>
+        </p:nvPicPr>
+        <p:blipFill>
+          <a:blip r:embed="rId2"/>
+          <a:stretch>
+            <a:fillRect/>
+          </a:stretch>
+        </p:blipFill>
+        <p:spPr>
+          <a:xfrm>
+            <a:off x="5405862" y="1523764"/>
+            <a:ext cx="6019331" cy="3807226"/>
+          </a:xfrm>
+          <a:prstGeom prst="rect">
+            <a:avLst/>
+          </a:prstGeom>
+          <a:effectLst/>
+        </p:spPr>
+      </p:pic>
     </p:spTree>
     <p:extLst>
       <p:ext uri="{BB962C8B-B14F-4D97-AF65-F5344CB8AC3E}">
-        <p14:creationId xmlns:p14="http://schemas.microsoft.com/office/powerpoint/2010/main" val="2894975233"/>
+        <p14:creationId xmlns:p14="http://schemas.microsoft.com/office/powerpoint/2010/main" val="2931703396"/>
+      </p:ext>
+    </p:extLst>
+  </p:cSld>
+  <p:clrMapOvr>
+    <a:masterClrMapping/>
+  </p:clrMapOvr>
+</p:sld>
+</file>
+
+<file path=ppt/slides/slide9.xml><?xml version="1.0" encoding="utf-8"?>
+<p:sld xmlns:a="http://schemas.openxmlformats.org/drawingml/2006/main" xmlns:r="http://schemas.openxmlformats.org/officeDocument/2006/relationships" xmlns:p="http://schemas.openxmlformats.org/presentationml/2006/main">
+  <p:cSld>
+    <p:bg>
+      <p:bgPr>
+        <a:solidFill>
+          <a:schemeClr val="bg1"/>
+        </a:solidFill>
+        <a:effectLst/>
+      </p:bgPr>
+    </p:bg>
+    <p:spTree>
+      <p:nvGrpSpPr>
+        <p:cNvPr id="1" name=""/>
+        <p:cNvGrpSpPr/>
+        <p:nvPr/>
+      </p:nvGrpSpPr>
+      <p:grpSpPr>
+        <a:xfrm>
+          <a:off x="0" y="0"/>
+          <a:ext cx="0" cy="0"/>
+          <a:chOff x="0" y="0"/>
+          <a:chExt cx="0" cy="0"/>
+        </a:xfrm>
+      </p:grpSpPr>
+      <p:sp>
+        <p:nvSpPr>
+          <p:cNvPr id="2" name="제목 1">
+            <a:extLst>
+              <a:ext uri="{FF2B5EF4-FFF2-40B4-BE49-F238E27FC236}">
+                <a16:creationId xmlns:a16="http://schemas.microsoft.com/office/drawing/2014/main" id="{03CA74D0-B1D5-4EF8-B5FD-0549CF12B2C8}"/>
+              </a:ext>
+            </a:extLst>
+          </p:cNvPr>
+          <p:cNvSpPr>
+            <a:spLocks noGrp="1"/>
+          </p:cNvSpPr>
+          <p:nvPr>
+            <p:ph type="title"/>
+          </p:nvPr>
+        </p:nvSpPr>
+        <p:spPr>
+          <a:xfrm>
+            <a:off x="648929" y="629266"/>
+            <a:ext cx="3505495" cy="1622321"/>
+          </a:xfrm>
+        </p:spPr>
+        <p:txBody>
+          <a:bodyPr>
+            <a:normAutofit/>
+          </a:bodyPr>
+          <a:lstStyle/>
+          <a:p>
+            <a:r>
+              <a:rPr lang="ko-KR" altLang="en-US" dirty="0"/>
+              <a:t>분석 내용</a:t>
+            </a:r>
+          </a:p>
+        </p:txBody>
+      </p:sp>
+      <p:sp>
+        <p:nvSpPr>
+          <p:cNvPr id="3" name="내용 개체 틀 2">
+            <a:extLst>
+              <a:ext uri="{FF2B5EF4-FFF2-40B4-BE49-F238E27FC236}">
+                <a16:creationId xmlns:a16="http://schemas.microsoft.com/office/drawing/2014/main" id="{83AA67A5-1015-4E07-9602-B677033AAD59}"/>
+              </a:ext>
+            </a:extLst>
+          </p:cNvPr>
+          <p:cNvSpPr>
+            <a:spLocks noGrp="1"/>
+          </p:cNvSpPr>
+          <p:nvPr>
+            <p:ph idx="1"/>
+          </p:nvPr>
+        </p:nvSpPr>
+        <p:spPr>
+          <a:xfrm>
+            <a:off x="648931" y="2438400"/>
+            <a:ext cx="3505494" cy="3785419"/>
+          </a:xfrm>
+        </p:spPr>
+        <p:txBody>
+          <a:bodyPr>
+            <a:normAutofit/>
+          </a:bodyPr>
+          <a:lstStyle/>
+          <a:p>
+            <a:r>
+              <a:rPr lang="ko-KR" altLang="en-US" sz="2000" dirty="0"/>
+              <a:t>회귀 모델을 사용했을 경우에는 매우 높은 형태의 정확도가 나왔다</a:t>
+            </a:r>
+            <a:r>
+              <a:rPr lang="en-US" altLang="ko-KR" sz="2000" dirty="0"/>
+              <a:t>.</a:t>
+            </a:r>
+            <a:r>
+              <a:rPr lang="ko-KR" altLang="en-US" sz="2000" dirty="0"/>
+              <a:t> </a:t>
+            </a:r>
+            <a:endParaRPr lang="en-US" altLang="ko-KR" sz="2000" dirty="0"/>
+          </a:p>
+          <a:p>
+            <a:r>
+              <a:rPr lang="ko-KR" altLang="en-US" sz="2000" dirty="0"/>
+              <a:t>다음은 선형 회귀 모델이다</a:t>
+            </a:r>
+            <a:r>
+              <a:rPr lang="en-US" altLang="ko-KR" sz="2000" dirty="0"/>
+              <a:t>.</a:t>
+            </a:r>
+            <a:endParaRPr lang="ko-KR" altLang="en-US" sz="2000" dirty="0"/>
+          </a:p>
+        </p:txBody>
+      </p:sp>
+      <p:sp>
+        <p:nvSpPr>
+          <p:cNvPr id="10" name="Rectangle 9">
+            <a:extLst>
+              <a:ext uri="{FF2B5EF4-FFF2-40B4-BE49-F238E27FC236}">
+                <a16:creationId xmlns:a16="http://schemas.microsoft.com/office/drawing/2014/main" id="{5E39A796-BE83-48B1-B33F-35C4A32AAB57}"/>
+              </a:ext>
+              <a:ext uri="{C183D7F6-B498-43B3-948B-1728B52AA6E4}">
+                <adec:decorative xmlns:adec="http://schemas.microsoft.com/office/drawing/2017/decorative" val="1"/>
+              </a:ext>
+            </a:extLst>
+          </p:cNvPr>
+          <p:cNvSpPr>
+            <a:spLocks noGrp="1" noRot="1" noChangeAspect="1" noMove="1" noResize="1" noEditPoints="1" noAdjustHandles="1" noChangeArrowheads="1" noChangeShapeType="1" noTextEdit="1"/>
+          </p:cNvSpPr>
+          <p:nvPr>
+            <p:extLst>
+              <p:ext uri="{386F3935-93C4-4BCD-93E2-E3B085C9AB24}">
+                <p16:designElem xmlns:p16="http://schemas.microsoft.com/office/powerpoint/2015/main" val="1"/>
+              </p:ext>
+            </p:extLst>
+          </p:nvPr>
+        </p:nvSpPr>
+        <p:spPr>
+          <a:xfrm>
+            <a:off x="4639056" y="0"/>
+            <a:ext cx="7552944" cy="6858000"/>
+          </a:xfrm>
+          <a:prstGeom prst="rect">
+            <a:avLst/>
+          </a:prstGeom>
+          <a:solidFill>
+            <a:srgbClr val="C8CACA"/>
+          </a:solidFill>
+          <a:ln>
+            <a:noFill/>
+          </a:ln>
+        </p:spPr>
+        <p:style>
+          <a:lnRef idx="2">
+            <a:schemeClr val="accent1">
+              <a:shade val="50000"/>
+            </a:schemeClr>
+          </a:lnRef>
+          <a:fillRef idx="1">
+            <a:schemeClr val="accent1"/>
+          </a:fillRef>
+          <a:effectRef idx="0">
+            <a:schemeClr val="accent1"/>
+          </a:effectRef>
+          <a:fontRef idx="minor">
+            <a:schemeClr val="lt1"/>
+          </a:fontRef>
+        </p:style>
+        <p:txBody>
+          <a:bodyPr rtlCol="0" anchor="ctr"/>
+          <a:lstStyle/>
+          <a:p>
+            <a:pPr algn="ctr"/>
+            <a:endParaRPr lang="en-US"/>
+          </a:p>
+        </p:txBody>
+      </p:sp>
+      <p:sp>
+        <p:nvSpPr>
+          <p:cNvPr id="12" name="Rounded Rectangle 9">
+            <a:extLst>
+              <a:ext uri="{FF2B5EF4-FFF2-40B4-BE49-F238E27FC236}">
+                <a16:creationId xmlns:a16="http://schemas.microsoft.com/office/drawing/2014/main" id="{72F84B47-E267-4194-8194-831DB7B5547F}"/>
+              </a:ext>
+              <a:ext uri="{C183D7F6-B498-43B3-948B-1728B52AA6E4}">
+                <adec:decorative xmlns:adec="http://schemas.microsoft.com/office/drawing/2017/decorative" val="1"/>
+              </a:ext>
+            </a:extLst>
+          </p:cNvPr>
+          <p:cNvSpPr>
+            <a:spLocks noGrp="1" noRot="1" noChangeAspect="1" noMove="1" noResize="1" noEditPoints="1" noAdjustHandles="1" noChangeArrowheads="1" noChangeShapeType="1" noTextEdit="1"/>
+          </p:cNvSpPr>
+          <p:nvPr>
+            <p:extLst>
+              <p:ext uri="{386F3935-93C4-4BCD-93E2-E3B085C9AB24}">
+                <p16:designElem xmlns:p16="http://schemas.microsoft.com/office/powerpoint/2015/main" val="1"/>
+              </p:ext>
+            </p:extLst>
+          </p:nvPr>
+        </p:nvSpPr>
+        <p:spPr>
+          <a:xfrm>
+            <a:off x="5123688" y="557784"/>
+            <a:ext cx="6584098" cy="5739187"/>
+          </a:xfrm>
+          <a:prstGeom prst="roundRect">
+            <a:avLst>
+              <a:gd name="adj" fmla="val 0"/>
+            </a:avLst>
+          </a:prstGeom>
+          <a:solidFill>
+            <a:srgbClr val="FFFFFF"/>
+          </a:solidFill>
+          <a:ln w="9525">
+            <a:solidFill>
+              <a:srgbClr val="C8CACA"/>
+            </a:solidFill>
+          </a:ln>
+          <a:effectLst>
+            <a:outerShdw blurRad="57150" dist="19050" dir="5400000" algn="t" rotWithShape="0">
+              <a:prstClr val="black">
+                <a:alpha val="63000"/>
+              </a:prstClr>
+            </a:outerShdw>
+          </a:effectLst>
+        </p:spPr>
+        <p:style>
+          <a:lnRef idx="2">
+            <a:schemeClr val="accent1">
+              <a:shade val="50000"/>
+            </a:schemeClr>
+          </a:lnRef>
+          <a:fillRef idx="1">
+            <a:schemeClr val="accent1"/>
+          </a:fillRef>
+          <a:effectRef idx="0">
+            <a:schemeClr val="accent1"/>
+          </a:effectRef>
+          <a:fontRef idx="minor">
+            <a:schemeClr val="lt1"/>
+          </a:fontRef>
+        </p:style>
+        <p:txBody>
+          <a:bodyPr rtlCol="0" anchor="ctr"/>
+          <a:lstStyle/>
+          <a:p>
+            <a:pPr algn="ctr"/>
+            <a:endParaRPr lang="en-US"/>
+          </a:p>
+        </p:txBody>
+      </p:sp>
+      <p:pic>
+        <p:nvPicPr>
+          <p:cNvPr id="5" name="그림 4">
+            <a:extLst>
+              <a:ext uri="{FF2B5EF4-FFF2-40B4-BE49-F238E27FC236}">
+                <a16:creationId xmlns:a16="http://schemas.microsoft.com/office/drawing/2014/main" id="{511933C5-68A1-4B2F-A75A-9428319DD5CB}"/>
+              </a:ext>
+            </a:extLst>
+          </p:cNvPr>
+          <p:cNvPicPr>
+            <a:picLocks noChangeAspect="1"/>
+          </p:cNvPicPr>
+          <p:nvPr/>
+        </p:nvPicPr>
+        <p:blipFill>
+          <a:blip r:embed="rId2"/>
+          <a:stretch>
+            <a:fillRect/>
+          </a:stretch>
+        </p:blipFill>
+        <p:spPr>
+          <a:xfrm>
+            <a:off x="5405862" y="1614054"/>
+            <a:ext cx="6019331" cy="3626646"/>
+          </a:xfrm>
+          <a:prstGeom prst="rect">
+            <a:avLst/>
+          </a:prstGeom>
+          <a:effectLst/>
+        </p:spPr>
+      </p:pic>
+    </p:spTree>
+    <p:extLst>
+      <p:ext uri="{BB962C8B-B14F-4D97-AF65-F5344CB8AC3E}">
+        <p14:creationId xmlns:p14="http://schemas.microsoft.com/office/powerpoint/2010/main" val="4164697279"/>
       </p:ext>
     </p:extLst>
   </p:cSld>
